--- a/UrgentHealthCareManagementSystem/Urgent Care Service Management System.pptx
+++ b/UrgentHealthCareManagementSystem/Urgent Care Service Management System.pptx
@@ -221,7 +221,7 @@
           <a:p>
             <a:fld id="{043B725B-653D-4166-A8E9-72A38A1847CF}" type="datetimeFigureOut">
               <a:rPr lang="en-US"/>
-              <a:t>1/7/2022</a:t>
+              <a:t>2/1/2023</a:t>
             </a:fld>
             <a:endParaRPr/>
           </a:p>
@@ -386,7 +386,7 @@
           <a:p>
             <a:fld id="{783F64CD-0576-4A9A-BD06-7889D6E60BDC}" type="datetimeFigureOut">
               <a:rPr lang="en-US"/>
-              <a:t>1/7/2022</a:t>
+              <a:t>2/1/2023</a:t>
             </a:fld>
             <a:endParaRPr/>
           </a:p>
@@ -984,7 +984,7 @@
           <a:p>
             <a:fld id="{37CC0096-1860-4642-9CD2-0079EA5E7CD1}" type="datetimeFigureOut">
               <a:rPr lang="en-US"/>
-              <a:t>1/7/2022</a:t>
+              <a:t>2/1/2023</a:t>
             </a:fld>
             <a:endParaRPr/>
           </a:p>
@@ -1233,7 +1233,7 @@
           <a:p>
             <a:fld id="{37CC0096-1860-4642-9CD2-0079EA5E7CD1}" type="datetimeFigureOut">
               <a:rPr lang="en-US"/>
-              <a:t>1/7/2022</a:t>
+              <a:t>2/1/2023</a:t>
             </a:fld>
             <a:endParaRPr/>
           </a:p>
@@ -1419,7 +1419,7 @@
           <a:p>
             <a:fld id="{37CC0096-1860-4642-9CD2-0079EA5E7CD1}" type="datetimeFigureOut">
               <a:rPr lang="en-US"/>
-              <a:t>1/7/2022</a:t>
+              <a:t>2/1/2023</a:t>
             </a:fld>
             <a:endParaRPr/>
           </a:p>
@@ -1950,7 +1950,7 @@
           <a:p>
             <a:fld id="{37CC0096-1860-4642-9CD2-0079EA5E7CD1}" type="datetimeFigureOut">
               <a:rPr lang="en-US"/>
-              <a:t>1/7/2022</a:t>
+              <a:t>2/1/2023</a:t>
             </a:fld>
             <a:endParaRPr/>
           </a:p>
@@ -2402,7 +2402,7 @@
           <a:p>
             <a:fld id="{37CC0096-1860-4642-9CD2-0079EA5E7CD1}" type="datetimeFigureOut">
               <a:rPr lang="en-US"/>
-              <a:t>1/7/2022</a:t>
+              <a:t>2/1/2023</a:t>
             </a:fld>
             <a:endParaRPr/>
           </a:p>
@@ -2532,7 +2532,7 @@
           <a:p>
             <a:fld id="{37CC0096-1860-4642-9CD2-0079EA5E7CD1}" type="datetimeFigureOut">
               <a:rPr lang="en-US"/>
-              <a:t>1/7/2022</a:t>
+              <a:t>2/1/2023</a:t>
             </a:fld>
             <a:endParaRPr/>
           </a:p>
@@ -2639,7 +2639,7 @@
           <a:p>
             <a:fld id="{37CC0096-1860-4642-9CD2-0079EA5E7CD1}" type="datetimeFigureOut">
               <a:rPr lang="en-US"/>
-              <a:t>1/7/2022</a:t>
+              <a:t>2/1/2023</a:t>
             </a:fld>
             <a:endParaRPr/>
           </a:p>
@@ -3628,7 +3628,7 @@
             <a:fld id="{37CC0096-1860-4642-9CD2-0079EA5E7CD1}" type="datetimeFigureOut">
               <a:rPr lang="en-US" smtClean="0"/>
               <a:pPr/>
-              <a:t>1/7/2022</a:t>
+              <a:t>2/1/2023</a:t>
             </a:fld>
             <a:endParaRPr lang="en-US" dirty="0"/>
           </a:p>
@@ -4131,7 +4131,7 @@
         <p:spPr>
           <a:xfrm>
             <a:off x="613648" y="5181600"/>
-            <a:ext cx="3733800" cy="923330"/>
+            <a:ext cx="3733800" cy="369332"/>
           </a:xfrm>
           <a:prstGeom prst="rect">
             <a:avLst/>
@@ -4148,18 +4148,7 @@
               <a:rPr lang="en-US"/>
               <a:t>Siddhant Kohli</a:t>
             </a:r>
-          </a:p>
-          <a:p>
-            <a:r>
-              <a:rPr lang="en-US" dirty="0"/>
-              <a:t>Forum Bhatt </a:t>
-            </a:r>
-          </a:p>
-          <a:p>
-            <a:r>
-              <a:rPr lang="en-US" dirty="0"/>
-              <a:t>Kinjal Thakkar </a:t>
-            </a:r>
+            <a:endParaRPr lang="en-US" dirty="0"/>
           </a:p>
         </p:txBody>
       </p:sp>
@@ -4367,14 +4356,7 @@
                 <a:effectLst/>
                 <a:latin typeface="+mj-lt"/>
               </a:rPr>
-              <a:t>n a modern healthcare environment, for connecting healthcare professionals with other caretakers and healthcare entities, ensuring the best, most effective, immediate care </a:t>
-            </a:r>
-            <a:r>
-              <a:rPr lang="en-US" i="0">
-                <a:effectLst/>
-                <a:latin typeface="+mj-lt"/>
-              </a:rPr>
-              <a:t>to patients</a:t>
+              <a:t>n a modern healthcare environment, for connecting healthcare professionals with other caretakers and healthcare entities, ensuring the best, most effective, immediate care to patients</a:t>
             </a:r>
             <a:endParaRPr lang="en-US" dirty="0"/>
           </a:p>
